--- a/poster.pptx
+++ b/poster.pptx
@@ -4286,7 +4286,7 @@
       </p:sp>
       <p:sp>
         <p:nvSpPr>
-          <p:cNvPr id="14340" name="Rectangle 33"/>
+          <p:cNvPr id="14341" name="Rectangle 49"/>
           <p:cNvSpPr>
             <a:spLocks noChangeArrowheads="1"/>
           </p:cNvSpPr>
@@ -4294,8 +4294,8 @@
         </p:nvSpPr>
         <p:spPr bwMode="auto">
           <a:xfrm>
-            <a:off x="1088572" y="23546363"/>
-            <a:ext cx="9829800" cy="4654670"/>
+            <a:off x="1143000" y="5181600"/>
+            <a:ext cx="9829800" cy="4747988"/>
           </a:xfrm>
           <a:prstGeom prst="rect">
             <a:avLst/>
@@ -4334,94 +4334,69 @@
                   <a:schemeClr val="tx2"/>
                 </a:solidFill>
               </a:rPr>
-              <a:t>APPROACH</a:t>
-            </a:r>
-            <a:endParaRPr lang="en-GB" sz="4000" b="1" dirty="0" smtClean="0">
+              <a:t>MOTIVATION</a:t>
+            </a:r>
+            <a:endParaRPr lang="en-GB" sz="4000" b="1" u="sng" dirty="0">
               <a:solidFill>
-                <a:srgbClr val="CC3300"/>
+                <a:schemeClr val="tx2"/>
               </a:solidFill>
             </a:endParaRPr>
           </a:p>
           <a:p>
             <a:r>
-              <a:rPr lang="en-US" sz="2800" dirty="0"/>
+              <a:rPr lang="en-US" sz="2800" b="1" dirty="0"/>
               <a:t> </a:t>
             </a:r>
-          </a:p>
-          <a:p>
-            <a:pPr marL="514350" indent="-514350">
-              <a:buFont typeface="+mj-lt"/>
-              <a:buAutoNum type="arabicPeriod"/>
+            <a:endParaRPr lang="en-US" sz="2800" dirty="0"/>
+          </a:p>
+          <a:p>
+            <a:pPr marL="457200" indent="-457200">
+              <a:buFont typeface="Arial" charset="0"/>
+              <a:buChar char="•"/>
             </a:pPr>
             <a:r>
               <a:rPr lang="en-US" sz="3200" dirty="0" smtClean="0">
                 <a:latin typeface="Georgia" charset="0"/>
                 <a:cs typeface="Georgia" charset="0"/>
               </a:rPr>
-              <a:t>Create videos of </a:t>
-            </a:r>
-            <a:endParaRPr lang="en-US" sz="3200" dirty="0" smtClean="0">
+              <a:t>Human activity recognition (HAR): healthcare, security, video summary, highlight extraction</a:t>
+            </a:r>
+          </a:p>
+          <a:p>
+            <a:pPr marL="457200" indent="-457200">
+              <a:buFont typeface="Arial" charset="0"/>
+              <a:buChar char="•"/>
+            </a:pPr>
+            <a:r>
+              <a:rPr lang="en-US" sz="3200" dirty="0" smtClean="0">
+                <a:latin typeface="Georgia" charset="0"/>
+                <a:cs typeface="Georgia" charset="0"/>
+              </a:rPr>
+              <a:t>Research has traditionally utilized a wide variety of feature representations</a:t>
+            </a:r>
+          </a:p>
+          <a:p>
+            <a:pPr marL="457200" indent="-457200">
+              <a:buFont typeface="Arial" charset="0"/>
+              <a:buChar char="•"/>
+            </a:pPr>
+            <a:r>
+              <a:rPr lang="en-US" sz="3200" dirty="0" smtClean="0">
+                <a:latin typeface="Georgia" charset="0"/>
+                <a:cs typeface="Georgia" charset="0"/>
+              </a:rPr>
+              <a:t>Is activity recognition using detected joints effective?</a:t>
+            </a:r>
+            <a:endParaRPr lang="en-US" sz="3200" dirty="0">
               <a:latin typeface="Georgia" charset="0"/>
               <a:cs typeface="Georgia" charset="0"/>
             </a:endParaRPr>
           </a:p>
-          <a:p>
-            <a:pPr marL="514350" indent="-514350">
-              <a:buFont typeface="+mj-lt"/>
-              <a:buAutoNum type="arabicPeriod"/>
-            </a:pPr>
-            <a:r>
-              <a:rPr lang="en-US" sz="3200" dirty="0" smtClean="0">
-                <a:latin typeface="Georgia" charset="0"/>
-                <a:cs typeface="Georgia" charset="0"/>
-              </a:rPr>
-              <a:t>Design a fully-connected neural network</a:t>
-            </a:r>
-          </a:p>
-          <a:p>
-            <a:pPr marL="514350" indent="-514350">
-              <a:buFont typeface="+mj-lt"/>
-              <a:buAutoNum type="arabicPeriod"/>
-            </a:pPr>
-            <a:r>
-              <a:rPr lang="en-US" sz="3200" dirty="0" smtClean="0">
-                <a:latin typeface="Georgia" charset="0"/>
-                <a:cs typeface="Georgia" charset="0"/>
-              </a:rPr>
-              <a:t>Design a convolutional neural network</a:t>
-            </a:r>
-          </a:p>
-          <a:p>
-            <a:pPr marL="514350" indent="-514350">
-              <a:buFont typeface="+mj-lt"/>
-              <a:buAutoNum type="arabicPeriod"/>
-            </a:pPr>
-            <a:r>
-              <a:rPr lang="en-US" sz="3200" dirty="0" smtClean="0">
-                <a:latin typeface="Georgia" charset="0"/>
-                <a:cs typeface="Georgia" charset="0"/>
-              </a:rPr>
-              <a:t>Train DNN to classify phonemes with batches</a:t>
-            </a:r>
-          </a:p>
-          <a:p>
-            <a:pPr marL="514350" indent="-514350">
-              <a:buFont typeface="+mj-lt"/>
-              <a:buAutoNum type="arabicPeriod"/>
-            </a:pPr>
-            <a:r>
-              <a:rPr lang="en-US" sz="3200" dirty="0" smtClean="0">
-                <a:latin typeface="Georgia" charset="0"/>
-                <a:cs typeface="Georgia" charset="0"/>
-              </a:rPr>
-              <a:t>Evaluate DNN performance and adjust parameters</a:t>
-            </a:r>
-          </a:p>
-        </p:txBody>
-      </p:sp>
-      <p:sp>
-        <p:nvSpPr>
-          <p:cNvPr id="14341" name="Rectangle 49"/>
+        </p:txBody>
+      </p:sp>
+      <p:sp>
+        <p:nvSpPr>
+          <p:cNvPr id="14342" name="Rectangle 7"/>
           <p:cNvSpPr>
             <a:spLocks noChangeArrowheads="1"/>
           </p:cNvSpPr>
@@ -4429,8 +4404,8 @@
         </p:nvSpPr>
         <p:spPr bwMode="auto">
           <a:xfrm>
-            <a:off x="1143000" y="5181600"/>
-            <a:ext cx="9829800" cy="4747988"/>
+            <a:off x="11734800" y="5181600"/>
+            <a:ext cx="9829800" cy="27051000"/>
           </a:xfrm>
           <a:prstGeom prst="rect">
             <a:avLst/>
@@ -4458,7 +4433,7 @@
           <a:bodyPr lIns="360000" tIns="360000" rIns="360000" bIns="360000"/>
           <a:lstStyle/>
           <a:p>
-            <a:pPr>
+            <a:pPr marL="381000" indent="-381000">
               <a:spcBef>
                 <a:spcPct val="50000"/>
               </a:spcBef>
@@ -4469,8 +4444,15 @@
                   <a:schemeClr val="tx2"/>
                 </a:solidFill>
               </a:rPr>
-              <a:t>MOTIVATION</a:t>
-            </a:r>
+              <a:t>IMPLEMENTATION</a:t>
+            </a:r>
+          </a:p>
+          <a:p>
+            <a:pPr marL="381000" indent="-381000">
+              <a:spcBef>
+                <a:spcPct val="50000"/>
+              </a:spcBef>
+            </a:pPr>
             <a:endParaRPr lang="en-GB" sz="4000" b="1" u="sng" dirty="0">
               <a:solidFill>
                 <a:schemeClr val="tx2"/>
@@ -4478,60 +4460,78 @@
             </a:endParaRPr>
           </a:p>
           <a:p>
-            <a:r>
-              <a:rPr lang="en-US" sz="2800" b="1" dirty="0"/>
-              <a:t> </a:t>
-            </a:r>
-            <a:endParaRPr lang="en-US" sz="2800" dirty="0"/>
-          </a:p>
-          <a:p>
-            <a:pPr marL="457200" indent="-457200">
-              <a:buFont typeface="Arial" charset="0"/>
-              <a:buChar char="•"/>
-            </a:pPr>
-            <a:r>
-              <a:rPr lang="en-US" sz="3200" dirty="0" smtClean="0">
-                <a:latin typeface="Georgia" charset="0"/>
-                <a:cs typeface="Georgia" charset="0"/>
-              </a:rPr>
-              <a:t>Human activity recognition (HAR): healthcare, security, video summary, highlight extraction</a:t>
-            </a:r>
-          </a:p>
-          <a:p>
-            <a:pPr marL="457200" indent="-457200">
-              <a:buFont typeface="Arial" charset="0"/>
-              <a:buChar char="•"/>
-            </a:pPr>
-            <a:r>
-              <a:rPr lang="en-US" sz="3200" dirty="0" smtClean="0">
-                <a:latin typeface="Georgia" charset="0"/>
-                <a:cs typeface="Georgia" charset="0"/>
-              </a:rPr>
-              <a:t>Research has traditionally utilized a wide variety of feature representations</a:t>
-            </a:r>
-          </a:p>
-          <a:p>
-            <a:pPr marL="457200" indent="-457200">
-              <a:buFont typeface="Arial" charset="0"/>
-              <a:buChar char="•"/>
-            </a:pPr>
-            <a:r>
-              <a:rPr lang="en-US" sz="3200" dirty="0" smtClean="0">
-                <a:latin typeface="Georgia" charset="0"/>
-                <a:cs typeface="Georgia" charset="0"/>
-              </a:rPr>
-              <a:t>Is activity recognition using detected joints effective?</a:t>
-            </a:r>
-            <a:endParaRPr lang="en-US" sz="3200" dirty="0">
-              <a:latin typeface="Georgia" charset="0"/>
-              <a:cs typeface="Georgia" charset="0"/>
+            <a:pPr marL="381000" indent="-381000">
+              <a:spcBef>
+                <a:spcPct val="50000"/>
+              </a:spcBef>
+            </a:pPr>
+            <a:endParaRPr lang="en-GB" sz="4000" b="1" dirty="0">
+              <a:solidFill>
+                <a:srgbClr val="CC3300"/>
+              </a:solidFill>
             </a:endParaRPr>
           </a:p>
-        </p:txBody>
-      </p:sp>
-      <p:sp>
-        <p:nvSpPr>
-          <p:cNvPr id="14342" name="Rectangle 7"/>
+          <a:p>
+            <a:pPr marL="514350" indent="-514350">
+              <a:buAutoNum type="arabicPeriod"/>
+            </a:pPr>
+            <a:r>
+              <a:rPr lang="en-US" sz="2800" b="1" dirty="0" smtClean="0"/>
+              <a:t>Image of </a:t>
+            </a:r>
+            <a:r>
+              <a:rPr lang="en-US" sz="2800" b="1" smtClean="0"/>
+              <a:t>OpenPose</a:t>
+            </a:r>
+          </a:p>
+          <a:p>
+            <a:pPr marL="514350" indent="-514350">
+              <a:buAutoNum type="arabicPeriod"/>
+            </a:pPr>
+            <a:r>
+              <a:rPr lang="en-US" sz="2800" b="1" dirty="0" smtClean="0"/>
+              <a:t>KNN</a:t>
+            </a:r>
+          </a:p>
+          <a:p>
+            <a:pPr marL="514350" indent="-514350">
+              <a:buAutoNum type="arabicPeriod"/>
+            </a:pPr>
+            <a:r>
+              <a:rPr lang="en-US" sz="2800" b="1" dirty="0" smtClean="0"/>
+              <a:t>Euclidean/L1/DTW</a:t>
+            </a:r>
+          </a:p>
+          <a:p>
+            <a:pPr marL="514350" indent="-514350">
+              <a:buAutoNum type="arabicPeriod"/>
+            </a:pPr>
+            <a:r>
+              <a:rPr lang="en-US" sz="2800" b="1" dirty="0" smtClean="0"/>
+              <a:t>Weighting joints</a:t>
+            </a:r>
+          </a:p>
+          <a:p>
+            <a:pPr marL="514350" indent="-514350">
+              <a:buAutoNum type="arabicPeriod"/>
+            </a:pPr>
+            <a:r>
+              <a:rPr lang="en-US" sz="2800" b="1" dirty="0" smtClean="0"/>
+              <a:t>Weights by frames</a:t>
+            </a:r>
+            <a:endParaRPr lang="en-US" sz="2800" b="1" dirty="0" smtClean="0"/>
+          </a:p>
+          <a:p>
+            <a:pPr marL="514350" indent="-514350">
+              <a:buAutoNum type="arabicPeriod"/>
+            </a:pPr>
+            <a:endParaRPr lang="en-US" sz="2800" b="1" dirty="0" smtClean="0"/>
+          </a:p>
+        </p:txBody>
+      </p:sp>
+      <p:sp>
+        <p:nvSpPr>
+          <p:cNvPr id="14343" name="Rectangle 51"/>
           <p:cNvSpPr>
             <a:spLocks noChangeArrowheads="1"/>
           </p:cNvSpPr>
@@ -4539,7 +4539,7 @@
         </p:nvSpPr>
         <p:spPr bwMode="auto">
           <a:xfrm>
-            <a:off x="11734800" y="5181600"/>
+            <a:off x="22326600" y="5181600"/>
             <a:ext cx="9829800" cy="27051000"/>
           </a:xfrm>
           <a:prstGeom prst="rect">
@@ -4568,18 +4568,18 @@
           <a:bodyPr lIns="360000" tIns="360000" rIns="360000" bIns="360000"/>
           <a:lstStyle/>
           <a:p>
-            <a:pPr marL="381000" indent="-381000">
+            <a:pPr>
               <a:spcBef>
                 <a:spcPct val="50000"/>
               </a:spcBef>
             </a:pPr>
             <a:r>
-              <a:rPr lang="en-GB" sz="4000" b="1" u="sng" dirty="0" smtClean="0">
+              <a:rPr lang="en-GB" sz="4000" b="1" u="sng" dirty="0">
                 <a:solidFill>
                   <a:schemeClr val="tx2"/>
                 </a:solidFill>
               </a:rPr>
-              <a:t>IMPLEMENTATION</a:t>
+              <a:t>RESULTS</a:t>
             </a:r>
             <a:endParaRPr lang="en-GB" sz="4000" b="1" dirty="0">
               <a:solidFill>
@@ -4588,14 +4588,16 @@
             </a:endParaRPr>
           </a:p>
           <a:p>
-            <a:pPr marL="381000" indent="-381000"/>
-            <a:endParaRPr lang="en-US" sz="2800" b="1" dirty="0" smtClean="0"/>
-          </a:p>
-        </p:txBody>
-      </p:sp>
-      <p:sp>
-        <p:nvSpPr>
-          <p:cNvPr id="14343" name="Rectangle 51"/>
+            <a:endParaRPr lang="en-US" sz="3200" dirty="0">
+              <a:latin typeface="Georgia" charset="0"/>
+              <a:cs typeface="Georgia" charset="0"/>
+            </a:endParaRPr>
+          </a:p>
+        </p:txBody>
+      </p:sp>
+      <p:sp>
+        <p:nvSpPr>
+          <p:cNvPr id="14346" name="Rectangle 34"/>
           <p:cNvSpPr>
             <a:spLocks noChangeArrowheads="1"/>
           </p:cNvSpPr>
@@ -4603,8 +4605,8 @@
         </p:nvSpPr>
         <p:spPr bwMode="auto">
           <a:xfrm>
-            <a:off x="22326600" y="5181600"/>
-            <a:ext cx="9829800" cy="27051000"/>
+            <a:off x="32983714" y="11481593"/>
+            <a:ext cx="9829800" cy="8888414"/>
           </a:xfrm>
           <a:prstGeom prst="rect">
             <a:avLst/>
@@ -4640,18 +4642,121 @@
             <a:r>
               <a:rPr lang="en-GB" sz="4000" b="1" u="sng" dirty="0">
                 <a:solidFill>
-                  <a:schemeClr val="tx2"/>
+                  <a:srgbClr val="FA6300"/>
                 </a:solidFill>
               </a:rPr>
-              <a:t>RESULTS</a:t>
-            </a:r>
-            <a:endParaRPr lang="en-GB" sz="4000" b="1" dirty="0">
-              <a:solidFill>
-                <a:srgbClr val="CC3300"/>
-              </a:solidFill>
+              <a:t>CONCLUSIONS</a:t>
+            </a:r>
+          </a:p>
+          <a:p>
+            <a:endParaRPr lang="en-US" sz="2800" dirty="0"/>
+          </a:p>
+          <a:p>
+            <a:pPr marL="457200" indent="-457200">
+              <a:buFont typeface="Arial" charset="0"/>
+              <a:buChar char="•"/>
+            </a:pPr>
+            <a:r>
+              <a:rPr lang="en-US" sz="3200" dirty="0" smtClean="0">
+                <a:latin typeface="Georgia" charset="0"/>
+                <a:cs typeface="Georgia" charset="0"/>
+              </a:rPr>
+              <a:t>We compared many different types of feature representations and </a:t>
+            </a:r>
+            <a:endParaRPr lang="en-US" sz="3200" dirty="0" smtClean="0">
+              <a:latin typeface="Georgia" charset="0"/>
+              <a:cs typeface="Georgia" charset="0"/>
             </a:endParaRPr>
           </a:p>
           <a:p>
+            <a:pPr marL="457200" indent="-457200">
+              <a:buFont typeface="Arial" charset="0"/>
+              <a:buChar char="•"/>
+            </a:pPr>
+            <a:r>
+              <a:rPr lang="en-US" sz="3200" dirty="0" smtClean="0">
+                <a:latin typeface="Georgia" charset="0"/>
+                <a:cs typeface="Georgia" charset="0"/>
+              </a:rPr>
+              <a:t>Given our training data, we found that the best feature representation </a:t>
+            </a:r>
+          </a:p>
+          <a:p>
+            <a:pPr marL="457200" indent="-457200">
+              <a:buFont typeface="Arial" charset="0"/>
+              <a:buChar char="•"/>
+            </a:pPr>
+            <a:r>
+              <a:rPr lang="en-US" sz="3200" dirty="0" smtClean="0">
+                <a:latin typeface="Georgia" charset="0"/>
+                <a:cs typeface="Georgia" charset="0"/>
+              </a:rPr>
+              <a:t> </a:t>
+            </a:r>
+            <a:endParaRPr lang="en-US" sz="3200" dirty="0" smtClean="0">
+              <a:latin typeface="Georgia" charset="0"/>
+              <a:cs typeface="Georgia" charset="0"/>
+            </a:endParaRPr>
+          </a:p>
+          <a:p>
+            <a:pPr marL="457200" indent="-457200">
+              <a:buFont typeface="Arial" charset="0"/>
+              <a:buChar char="•"/>
+            </a:pPr>
+            <a:r>
+              <a:rPr lang="en-US" sz="3200" dirty="0" smtClean="0">
+                <a:latin typeface="Georgia" charset="0"/>
+                <a:cs typeface="Georgia" charset="0"/>
+              </a:rPr>
+              <a:t>Beyond 2 </a:t>
+            </a:r>
+            <a:r>
+              <a:rPr lang="en-US" sz="3200" dirty="0">
+                <a:latin typeface="Georgia" charset="0"/>
+                <a:cs typeface="Georgia" charset="0"/>
+              </a:rPr>
+              <a:t>layers, more </a:t>
+            </a:r>
+            <a:r>
+              <a:rPr lang="en-US" sz="3200" dirty="0" smtClean="0">
+                <a:latin typeface="Georgia" charset="0"/>
+                <a:cs typeface="Georgia" charset="0"/>
+              </a:rPr>
+              <a:t>layers and neurons </a:t>
+            </a:r>
+            <a:r>
+              <a:rPr lang="en-US" sz="3200" dirty="0">
+                <a:latin typeface="Georgia" charset="0"/>
+                <a:cs typeface="Georgia" charset="0"/>
+              </a:rPr>
+              <a:t>did not improve the performance of either </a:t>
+            </a:r>
+            <a:r>
+              <a:rPr lang="en-US" sz="3200" dirty="0" smtClean="0">
+                <a:latin typeface="Georgia" charset="0"/>
+                <a:cs typeface="Georgia" charset="0"/>
+              </a:rPr>
+              <a:t>DNN design.</a:t>
+            </a:r>
+          </a:p>
+          <a:p>
+            <a:pPr marL="457200" indent="-457200">
+              <a:buFont typeface="Arial" charset="0"/>
+              <a:buChar char="•"/>
+            </a:pPr>
+            <a:r>
+              <a:rPr lang="en-US" sz="3200" dirty="0" smtClean="0">
+                <a:latin typeface="Georgia" charset="0"/>
+                <a:cs typeface="Georgia" charset="0"/>
+              </a:rPr>
+              <a:t>Given the lack of improvement in performance with deeper nets, we may need more training data and additional computational power.</a:t>
+            </a:r>
+          </a:p>
+          <a:p>
+            <a:pPr marL="457200" indent="-457200">
+              <a:buFont typeface="Arial" charset="0"/>
+              <a:buChar char="•"/>
+            </a:pPr>
             <a:endParaRPr lang="en-US" sz="3200" dirty="0">
               <a:latin typeface="Georgia" charset="0"/>
               <a:cs typeface="Georgia" charset="0"/>
@@ -4659,9 +4764,33 @@
           </a:p>
         </p:txBody>
       </p:sp>
-      <p:sp>
-        <p:nvSpPr>
-          <p:cNvPr id="14346" name="Rectangle 34"/>
+      <p:pic>
+        <p:nvPicPr>
+          <p:cNvPr id="24" name="Picture 23"/>
+          <p:cNvPicPr>
+            <a:picLocks noChangeAspect="1"/>
+          </p:cNvPicPr>
+          <p:nvPr/>
+        </p:nvPicPr>
+        <p:blipFill>
+          <a:blip r:embed="rId2"/>
+          <a:stretch>
+            <a:fillRect/>
+          </a:stretch>
+        </p:blipFill>
+        <p:spPr>
+          <a:xfrm>
+            <a:off x="1503680" y="609600"/>
+            <a:ext cx="4554220" cy="1713469"/>
+          </a:xfrm>
+          <a:prstGeom prst="rect">
+            <a:avLst/>
+          </a:prstGeom>
+        </p:spPr>
+      </p:pic>
+      <p:sp>
+        <p:nvSpPr>
+          <p:cNvPr id="26" name="Rectangle 49"/>
           <p:cNvSpPr>
             <a:spLocks noChangeArrowheads="1"/>
           </p:cNvSpPr>
@@ -4669,8 +4798,8 @@
         </p:nvSpPr>
         <p:spPr bwMode="auto">
           <a:xfrm>
-            <a:off x="32983714" y="11481593"/>
-            <a:ext cx="9829800" cy="8888414"/>
+            <a:off x="1124630" y="10501370"/>
+            <a:ext cx="9829800" cy="4664420"/>
           </a:xfrm>
           <a:prstGeom prst="rect">
             <a:avLst/>
@@ -4704,16 +4833,24 @@
               </a:spcBef>
             </a:pPr>
             <a:r>
-              <a:rPr lang="en-GB" sz="4000" b="1" u="sng" dirty="0">
+              <a:rPr lang="en-GB" sz="4000" b="1" u="sng" dirty="0" smtClean="0">
                 <a:solidFill>
-                  <a:srgbClr val="FA6300"/>
+                  <a:schemeClr val="tx2"/>
                 </a:solidFill>
               </a:rPr>
-              <a:t>CONCLUSIONS</a:t>
-            </a:r>
-          </a:p>
-          <a:p>
-            <a:endParaRPr lang="en-US" sz="2800" dirty="0"/>
+              <a:t>GOAL AND APPROACH</a:t>
+            </a:r>
+            <a:endParaRPr lang="en-GB" sz="4000" b="1" u="sng" dirty="0">
+              <a:solidFill>
+                <a:schemeClr val="tx2"/>
+              </a:solidFill>
+            </a:endParaRPr>
+          </a:p>
+          <a:p>
+            <a:r>
+              <a:rPr lang="en-US" sz="2800" b="1" dirty="0"/>
+              <a:t> </a:t>
+            </a:r>
           </a:p>
           <a:p>
             <a:pPr marL="457200" indent="-457200">
@@ -4725,7 +4862,41 @@
                 <a:latin typeface="Georgia" charset="0"/>
                 <a:cs typeface="Georgia" charset="0"/>
               </a:rPr>
-              <a:t>We compared many different types of feature representations and </a:t>
+              <a:t>Classify dance movement into one of the three categories performed—turn, jump, and fall</a:t>
+            </a:r>
+          </a:p>
+          <a:p>
+            <a:pPr marL="457200" indent="-457200">
+              <a:buFont typeface="Arial" charset="0"/>
+              <a:buChar char="•"/>
+            </a:pPr>
+            <a:r>
+              <a:rPr lang="en-US" sz="3200" dirty="0" smtClean="0">
+                <a:latin typeface="Georgia" charset="0"/>
+                <a:cs typeface="Georgia" charset="0"/>
+              </a:rPr>
+              <a:t>Evaluate </a:t>
+            </a:r>
+            <a:r>
+              <a:rPr lang="en-US" sz="3200" dirty="0" smtClean="0">
+                <a:latin typeface="Georgia" charset="0"/>
+                <a:cs typeface="Georgia" charset="0"/>
+              </a:rPr>
+              <a:t>effectiveness of </a:t>
+            </a:r>
+            <a:r>
+              <a:rPr lang="en-US" sz="3200" dirty="0" smtClean="0">
+                <a:latin typeface="Georgia" charset="0"/>
+                <a:cs typeface="Georgia" charset="0"/>
+              </a:rPr>
+              <a:t>different feature representations </a:t>
+            </a:r>
+            <a:r>
+              <a:rPr lang="en-US" sz="3200" b="1" dirty="0" smtClean="0">
+                <a:latin typeface="Georgia" charset="0"/>
+                <a:cs typeface="Georgia" charset="0"/>
+              </a:rPr>
+              <a:t>based on detected joints</a:t>
             </a:r>
             <a:endParaRPr lang="en-US" sz="3200" dirty="0" smtClean="0">
               <a:latin typeface="Georgia" charset="0"/>
@@ -4742,85 +4913,8 @@
                 <a:latin typeface="Georgia" charset="0"/>
                 <a:cs typeface="Georgia" charset="0"/>
               </a:rPr>
-              <a:t>Given our training data, we found that the best feature representation </a:t>
-            </a:r>
-          </a:p>
-          <a:p>
-            <a:pPr marL="457200" indent="-457200">
-              <a:buFont typeface="Arial" charset="0"/>
-              <a:buChar char="•"/>
-            </a:pPr>
-            <a:r>
-              <a:rPr lang="en-US" sz="3200" dirty="0" smtClean="0">
-                <a:latin typeface="Georgia" charset="0"/>
-                <a:cs typeface="Georgia" charset="0"/>
-              </a:rPr>
-              <a:t> </a:t>
-            </a:r>
-            <a:endParaRPr lang="en-US" sz="3200" dirty="0" smtClean="0">
-              <a:latin typeface="Georgia" charset="0"/>
-              <a:cs typeface="Georgia" charset="0"/>
-            </a:endParaRPr>
-          </a:p>
-          <a:p>
-            <a:pPr marL="457200" indent="-457200">
-              <a:buFont typeface="Arial" charset="0"/>
-              <a:buChar char="•"/>
-            </a:pPr>
-            <a:r>
-              <a:rPr lang="en-US" sz="3200" dirty="0" smtClean="0">
-                <a:latin typeface="Georgia" charset="0"/>
-                <a:cs typeface="Georgia" charset="0"/>
-              </a:rPr>
-              <a:t>Beyond 2 </a:t>
-            </a:r>
-            <a:r>
-              <a:rPr lang="en-US" sz="3200" dirty="0">
-                <a:latin typeface="Georgia" charset="0"/>
-                <a:cs typeface="Georgia" charset="0"/>
-              </a:rPr>
-              <a:t>layers, more </a:t>
-            </a:r>
-            <a:r>
-              <a:rPr lang="en-US" sz="3200" dirty="0" smtClean="0">
-                <a:latin typeface="Georgia" charset="0"/>
-                <a:cs typeface="Georgia" charset="0"/>
-              </a:rPr>
-              <a:t>layers and neurons </a:t>
-            </a:r>
-            <a:r>
-              <a:rPr lang="en-US" sz="3200" dirty="0">
-                <a:latin typeface="Georgia" charset="0"/>
-                <a:cs typeface="Georgia" charset="0"/>
-              </a:rPr>
-              <a:t>did not improve the performance of either </a:t>
-            </a:r>
-            <a:r>
-              <a:rPr lang="en-US" sz="3200" dirty="0" smtClean="0">
-                <a:latin typeface="Georgia" charset="0"/>
-                <a:cs typeface="Georgia" charset="0"/>
-              </a:rPr>
-              <a:t>DNN design.</a:t>
-            </a:r>
-          </a:p>
-          <a:p>
-            <a:pPr marL="457200" indent="-457200">
-              <a:buFont typeface="Arial" charset="0"/>
-              <a:buChar char="•"/>
-            </a:pPr>
-            <a:r>
-              <a:rPr lang="en-US" sz="3200" dirty="0" smtClean="0">
-                <a:latin typeface="Georgia" charset="0"/>
-                <a:cs typeface="Georgia" charset="0"/>
-              </a:rPr>
-              <a:t>Given the lack of improvement in performance with deeper nets, we may need more training data and additional computational power.</a:t>
-            </a:r>
-          </a:p>
-          <a:p>
-            <a:pPr marL="457200" indent="-457200">
-              <a:buFont typeface="Arial" charset="0"/>
-              <a:buChar char="•"/>
-            </a:pPr>
+              <a:t>Compare </a:t>
+            </a:r>
             <a:endParaRPr lang="en-US" sz="3200" dirty="0">
               <a:latin typeface="Georgia" charset="0"/>
               <a:cs typeface="Georgia" charset="0"/>
@@ -4828,42 +4922,18 @@
           </a:p>
         </p:txBody>
       </p:sp>
-      <p:pic>
-        <p:nvPicPr>
-          <p:cNvPr id="24" name="Picture 23"/>
-          <p:cNvPicPr>
-            <a:picLocks noChangeAspect="1"/>
-          </p:cNvPicPr>
+      <p:sp>
+        <p:nvSpPr>
+          <p:cNvPr id="28" name="Rectangle 49"/>
+          <p:cNvSpPr>
+            <a:spLocks noChangeArrowheads="1"/>
+          </p:cNvSpPr>
           <p:nvPr/>
-        </p:nvPicPr>
-        <p:blipFill>
-          <a:blip r:embed="rId2"/>
-          <a:stretch>
-            <a:fillRect/>
-          </a:stretch>
-        </p:blipFill>
-        <p:spPr>
-          <a:xfrm>
-            <a:off x="1503680" y="609600"/>
-            <a:ext cx="4554220" cy="1713469"/>
-          </a:xfrm>
-          <a:prstGeom prst="rect">
-            <a:avLst/>
-          </a:prstGeom>
-        </p:spPr>
-      </p:pic>
-      <p:sp>
-        <p:nvSpPr>
-          <p:cNvPr id="26" name="Rectangle 49"/>
-          <p:cNvSpPr>
-            <a:spLocks noChangeArrowheads="1"/>
-          </p:cNvSpPr>
-          <p:nvPr/>
         </p:nvSpPr>
         <p:spPr bwMode="auto">
           <a:xfrm>
-            <a:off x="1124630" y="10501370"/>
-            <a:ext cx="9829800" cy="4664420"/>
+            <a:off x="1124630" y="15737572"/>
+            <a:ext cx="9829800" cy="7198628"/>
           </a:xfrm>
           <a:prstGeom prst="rect">
             <a:avLst/>
@@ -4902,7 +4972,7 @@
                   <a:schemeClr val="tx2"/>
                 </a:solidFill>
               </a:rPr>
-              <a:t>GOAL</a:t>
+              <a:t>RELATED WORK</a:t>
             </a:r>
             <a:endParaRPr lang="en-GB" sz="4000" b="1" u="sng" dirty="0">
               <a:solidFill>
@@ -4915,6 +4985,7 @@
               <a:rPr lang="en-US" sz="2800" b="1" dirty="0"/>
               <a:t> </a:t>
             </a:r>
+            <a:endParaRPr lang="en-US" sz="2800" dirty="0"/>
           </a:p>
           <a:p>
             <a:pPr marL="457200" indent="-457200">
@@ -4926,8 +4997,66 @@
                 <a:latin typeface="Georgia" charset="0"/>
                 <a:cs typeface="Georgia" charset="0"/>
               </a:rPr>
-              <a:t>Classify dance movement into one of the three categories performed—turn, jump, and fall</a:t>
-            </a:r>
+              <a:t>Joint detection</a:t>
+            </a:r>
+          </a:p>
+          <a:p>
+            <a:pPr marL="1397000" lvl="1" indent="-444500">
+              <a:buFont typeface="Arial" charset="0"/>
+              <a:buChar char="•"/>
+            </a:pPr>
+            <a:r>
+              <a:rPr lang="en-US" sz="3200" dirty="0" smtClean="0">
+                <a:latin typeface="Georgia" charset="0"/>
+                <a:cs typeface="Georgia" charset="0"/>
+              </a:rPr>
+              <a:t>CMU </a:t>
+            </a:r>
+            <a:r>
+              <a:rPr lang="en-US" sz="3200" dirty="0" err="1" smtClean="0">
+                <a:latin typeface="Georgia" charset="0"/>
+                <a:cs typeface="Georgia" charset="0"/>
+              </a:rPr>
+              <a:t>OpenPose</a:t>
+            </a:r>
+            <a:endParaRPr lang="en-US" sz="3200" dirty="0" smtClean="0">
+              <a:latin typeface="Georgia" charset="0"/>
+              <a:cs typeface="Georgia" charset="0"/>
+            </a:endParaRPr>
+          </a:p>
+          <a:p>
+            <a:pPr marL="1397000" lvl="1" indent="-444500">
+              <a:buFont typeface="Arial" charset="0"/>
+              <a:buChar char="•"/>
+            </a:pPr>
+            <a:r>
+              <a:rPr lang="en-US" sz="3200" dirty="0" smtClean="0">
+                <a:latin typeface="Georgia" charset="0"/>
+                <a:cs typeface="Georgia" charset="0"/>
+              </a:rPr>
+              <a:t>Multi-person system to detect human body </a:t>
+            </a:r>
+            <a:r>
+              <a:rPr lang="en-US" sz="3200" dirty="0" err="1" smtClean="0">
+                <a:latin typeface="Georgia" charset="0"/>
+                <a:cs typeface="Georgia" charset="0"/>
+              </a:rPr>
+              <a:t>keypoints</a:t>
+            </a:r>
+            <a:endParaRPr lang="en-US" sz="3200" dirty="0" smtClean="0">
+              <a:latin typeface="Georgia" charset="0"/>
+              <a:cs typeface="Georgia" charset="0"/>
+            </a:endParaRPr>
+          </a:p>
+          <a:p>
+            <a:pPr marL="1397000" lvl="1" indent="-444500">
+              <a:buFont typeface="Arial" charset="0"/>
+              <a:buChar char="•"/>
+            </a:pPr>
+            <a:endParaRPr lang="en-US" sz="3200" dirty="0" smtClean="0">
+              <a:latin typeface="Georgia" charset="0"/>
+              <a:cs typeface="Georgia" charset="0"/>
+            </a:endParaRPr>
           </a:p>
           <a:p>
             <a:pPr marL="457200" indent="-457200">
@@ -4939,25 +5068,15 @@
                 <a:latin typeface="Georgia" charset="0"/>
                 <a:cs typeface="Georgia" charset="0"/>
               </a:rPr>
-              <a:t>Evaluate </a:t>
-            </a:r>
-            <a:r>
-              <a:rPr lang="en-US" sz="3200" dirty="0" smtClean="0">
-                <a:latin typeface="Georgia" charset="0"/>
-                <a:cs typeface="Georgia" charset="0"/>
-              </a:rPr>
-              <a:t>effectiveness of </a:t>
-            </a:r>
-            <a:r>
-              <a:rPr lang="en-US" sz="3200" dirty="0" smtClean="0">
-                <a:latin typeface="Georgia" charset="0"/>
-                <a:cs typeface="Georgia" charset="0"/>
-              </a:rPr>
-              <a:t>different feature representations</a:t>
-            </a:r>
-          </a:p>
-          <a:p>
-            <a:pPr marL="457200" indent="-457200">
+              <a:t>Feature representation</a:t>
+            </a:r>
+            <a:endParaRPr lang="en-US" sz="3200" dirty="0" smtClean="0">
+              <a:latin typeface="Georgia" charset="0"/>
+              <a:cs typeface="Georgia" charset="0"/>
+            </a:endParaRPr>
+          </a:p>
+          <a:p>
+            <a:pPr marL="1397000" lvl="1" indent="-444500">
               <a:buFont typeface="Arial" charset="0"/>
               <a:buChar char="•"/>
             </a:pPr>
@@ -4966,18 +5085,57 @@
                 <a:latin typeface="Georgia" charset="0"/>
                 <a:cs typeface="Georgia" charset="0"/>
               </a:rPr>
-              <a:t>Compare </a:t>
-            </a:r>
+              <a:t>Actions as time-space models</a:t>
+            </a:r>
+          </a:p>
+          <a:p>
+            <a:pPr marL="1397000" lvl="1" indent="-444500">
+              <a:buFont typeface="Arial" charset="0"/>
+              <a:buChar char="•"/>
+            </a:pPr>
+            <a:r>
+              <a:rPr lang="en-US" sz="3200" dirty="0" smtClean="0">
+                <a:latin typeface="Georgia" charset="0"/>
+                <a:cs typeface="Georgia" charset="0"/>
+              </a:rPr>
+              <a:t>Wearable accelerometers</a:t>
+            </a:r>
+          </a:p>
+          <a:p>
+            <a:pPr marL="1397000" lvl="1" indent="-444500">
+              <a:buFont typeface="Arial" charset="0"/>
+              <a:buChar char="•"/>
+            </a:pPr>
+            <a:endParaRPr lang="en-US" sz="3200" dirty="0" smtClean="0">
+              <a:latin typeface="Georgia" charset="0"/>
+              <a:cs typeface="Georgia" charset="0"/>
+            </a:endParaRPr>
+          </a:p>
+          <a:p>
+            <a:pPr marL="1397000" lvl="1" indent="-444500">
+              <a:buFont typeface="Arial" charset="0"/>
+              <a:buChar char="•"/>
+            </a:pPr>
             <a:endParaRPr lang="en-US" sz="3200" dirty="0">
               <a:latin typeface="Georgia" charset="0"/>
               <a:cs typeface="Georgia" charset="0"/>
             </a:endParaRPr>
           </a:p>
-        </p:txBody>
-      </p:sp>
-      <p:sp>
-        <p:nvSpPr>
-          <p:cNvPr id="28" name="Rectangle 49"/>
+          <a:p>
+            <a:pPr marL="1397000" lvl="1" indent="-444500">
+              <a:buFont typeface="Arial" charset="0"/>
+              <a:buChar char="•"/>
+            </a:pPr>
+            <a:endParaRPr lang="en-US" sz="3200" dirty="0" smtClean="0">
+              <a:latin typeface="Georgia" charset="0"/>
+              <a:cs typeface="Georgia" charset="0"/>
+            </a:endParaRPr>
+          </a:p>
+        </p:txBody>
+      </p:sp>
+      <p:sp>
+        <p:nvSpPr>
+          <p:cNvPr id="33" name="Rectangle 34"/>
           <p:cNvSpPr>
             <a:spLocks noChangeArrowheads="1"/>
           </p:cNvSpPr>
@@ -4985,8 +5143,8 @@
         </p:nvSpPr>
         <p:spPr bwMode="auto">
           <a:xfrm>
-            <a:off x="1124630" y="15737572"/>
-            <a:ext cx="9829800" cy="7198628"/>
+            <a:off x="32983714" y="21107400"/>
+            <a:ext cx="9829800" cy="6781800"/>
           </a:xfrm>
           <a:prstGeom prst="rect">
             <a:avLst/>
@@ -5022,22 +5180,18 @@
             <a:r>
               <a:rPr lang="en-GB" sz="4000" b="1" u="sng" dirty="0" smtClean="0">
                 <a:solidFill>
-                  <a:schemeClr val="tx2"/>
+                  <a:srgbClr val="FA6300"/>
                 </a:solidFill>
               </a:rPr>
-              <a:t>RELATED WORK</a:t>
+              <a:t>FUTURE WORK</a:t>
             </a:r>
             <a:endParaRPr lang="en-GB" sz="4000" b="1" u="sng" dirty="0">
               <a:solidFill>
-                <a:schemeClr val="tx2"/>
+                <a:srgbClr val="FA6300"/>
               </a:solidFill>
             </a:endParaRPr>
           </a:p>
           <a:p>
-            <a:r>
-              <a:rPr lang="en-US" sz="2800" b="1" dirty="0"/>
-              <a:t> </a:t>
-            </a:r>
             <a:endParaRPr lang="en-US" sz="2800" dirty="0"/>
           </a:p>
           <a:p>
@@ -5050,66 +5204,15 @@
                 <a:latin typeface="Georgia" charset="0"/>
                 <a:cs typeface="Georgia" charset="0"/>
               </a:rPr>
-              <a:t>Joint detection</a:t>
-            </a:r>
-          </a:p>
-          <a:p>
-            <a:pPr marL="1397000" lvl="1" indent="-444500">
-              <a:buFont typeface="Arial" charset="0"/>
-              <a:buChar char="•"/>
-            </a:pPr>
+              <a:t>Extension 1: </a:t>
+            </a:r>
             <a:r>
               <a:rPr lang="en-US" sz="3200" dirty="0" smtClean="0">
                 <a:latin typeface="Georgia" charset="0"/>
                 <a:cs typeface="Georgia" charset="0"/>
               </a:rPr>
-              <a:t>CMU </a:t>
-            </a:r>
-            <a:r>
-              <a:rPr lang="en-US" sz="3200" dirty="0" err="1" smtClean="0">
-                <a:latin typeface="Georgia" charset="0"/>
-                <a:cs typeface="Georgia" charset="0"/>
-              </a:rPr>
-              <a:t>OpenPose</a:t>
-            </a:r>
-            <a:endParaRPr lang="en-US" sz="3200" dirty="0" smtClean="0">
-              <a:latin typeface="Georgia" charset="0"/>
-              <a:cs typeface="Georgia" charset="0"/>
-            </a:endParaRPr>
-          </a:p>
-          <a:p>
-            <a:pPr marL="1397000" lvl="1" indent="-444500">
-              <a:buFont typeface="Arial" charset="0"/>
-              <a:buChar char="•"/>
-            </a:pPr>
-            <a:r>
-              <a:rPr lang="en-US" sz="3200" dirty="0" smtClean="0">
-                <a:latin typeface="Georgia" charset="0"/>
-                <a:cs typeface="Georgia" charset="0"/>
-              </a:rPr>
-              <a:t>Multi-person system to detect human body </a:t>
-            </a:r>
-            <a:r>
-              <a:rPr lang="en-US" sz="3200" dirty="0" err="1" smtClean="0">
-                <a:latin typeface="Georgia" charset="0"/>
-                <a:cs typeface="Georgia" charset="0"/>
-              </a:rPr>
-              <a:t>keypoints</a:t>
-            </a:r>
-            <a:endParaRPr lang="en-US" sz="3200" dirty="0" smtClean="0">
-              <a:latin typeface="Georgia" charset="0"/>
-              <a:cs typeface="Georgia" charset="0"/>
-            </a:endParaRPr>
-          </a:p>
-          <a:p>
-            <a:pPr marL="1397000" lvl="1" indent="-444500">
-              <a:buFont typeface="Arial" charset="0"/>
-              <a:buChar char="•"/>
-            </a:pPr>
-            <a:endParaRPr lang="en-US" sz="3200" dirty="0" smtClean="0">
-              <a:latin typeface="Georgia" charset="0"/>
-              <a:cs typeface="Georgia" charset="0"/>
-            </a:endParaRPr>
+              <a:t>Alter system to distinguish between previously seen and unknown movements</a:t>
+            </a:r>
           </a:p>
           <a:p>
             <a:pPr marL="457200" indent="-457200">
@@ -5121,15 +5224,18 @@
                 <a:latin typeface="Georgia" charset="0"/>
                 <a:cs typeface="Georgia" charset="0"/>
               </a:rPr>
-              <a:t>Feature representation</a:t>
-            </a:r>
-            <a:endParaRPr lang="en-US" sz="3200" dirty="0" smtClean="0">
-              <a:latin typeface="Georgia" charset="0"/>
-              <a:cs typeface="Georgia" charset="0"/>
-            </a:endParaRPr>
-          </a:p>
-          <a:p>
-            <a:pPr marL="1397000" lvl="1" indent="-444500">
+              <a:t>Extension 2: </a:t>
+            </a:r>
+            <a:r>
+              <a:rPr lang="en-US" sz="3200" dirty="0" smtClean="0">
+                <a:latin typeface="Georgia" charset="0"/>
+                <a:cs typeface="Georgia" charset="0"/>
+              </a:rPr>
+              <a:t>Extend dance movement classification to dance recognition</a:t>
+            </a:r>
+          </a:p>
+          <a:p>
+            <a:pPr marL="457200" indent="-457200">
               <a:buFont typeface="Arial" charset="0"/>
               <a:buChar char="•"/>
             </a:pPr>
@@ -5138,47 +5244,32 @@
                 <a:latin typeface="Georgia" charset="0"/>
                 <a:cs typeface="Georgia" charset="0"/>
               </a:rPr>
-              <a:t>Actions as time-space models</a:t>
-            </a:r>
-          </a:p>
-          <a:p>
-            <a:pPr marL="1397000" lvl="1" indent="-444500">
-              <a:buFont typeface="Arial" charset="0"/>
-              <a:buChar char="•"/>
-            </a:pPr>
+              <a:t>Extension </a:t>
+            </a:r>
+            <a:r>
+              <a:rPr lang="en-US" sz="3200" dirty="0">
+                <a:latin typeface="Georgia" charset="0"/>
+                <a:cs typeface="Georgia" charset="0"/>
+              </a:rPr>
+              <a:t>3</a:t>
+            </a:r>
             <a:r>
               <a:rPr lang="en-US" sz="3200" dirty="0" smtClean="0">
                 <a:latin typeface="Georgia" charset="0"/>
                 <a:cs typeface="Georgia" charset="0"/>
               </a:rPr>
-              <a:t>Wearable accelerometers</a:t>
-            </a:r>
-          </a:p>
-          <a:p>
-            <a:pPr marL="1397000" lvl="1" indent="-444500">
-              <a:buFont typeface="Arial" charset="0"/>
-              <a:buChar char="•"/>
-            </a:pPr>
+              <a:t>:</a:t>
+            </a:r>
             <a:endParaRPr lang="en-US" sz="3200" dirty="0">
               <a:latin typeface="Georgia" charset="0"/>
               <a:cs typeface="Georgia" charset="0"/>
             </a:endParaRPr>
           </a:p>
-          <a:p>
-            <a:pPr marL="1397000" lvl="1" indent="-444500">
-              <a:buFont typeface="Arial" charset="0"/>
-              <a:buChar char="•"/>
-            </a:pPr>
-            <a:endParaRPr lang="en-US" sz="3200" dirty="0" smtClean="0">
-              <a:latin typeface="Georgia" charset="0"/>
-              <a:cs typeface="Georgia" charset="0"/>
-            </a:endParaRPr>
-          </a:p>
-        </p:txBody>
-      </p:sp>
-      <p:sp>
-        <p:nvSpPr>
-          <p:cNvPr id="33" name="Rectangle 34"/>
+        </p:txBody>
+      </p:sp>
+      <p:sp>
+        <p:nvSpPr>
+          <p:cNvPr id="41" name="Rectangle 52"/>
           <p:cNvSpPr>
             <a:spLocks noChangeArrowheads="1"/>
           </p:cNvSpPr>
@@ -5186,8 +5277,8 @@
         </p:nvSpPr>
         <p:spPr bwMode="auto">
           <a:xfrm>
-            <a:off x="32983714" y="21107400"/>
-            <a:ext cx="9829800" cy="6781800"/>
+            <a:off x="32983714" y="5192486"/>
+            <a:ext cx="9829800" cy="5551714"/>
           </a:xfrm>
           <a:prstGeom prst="rect">
             <a:avLst/>
@@ -5223,14 +5314,14 @@
             <a:r>
               <a:rPr lang="en-GB" sz="4000" b="1" u="sng" dirty="0" smtClean="0">
                 <a:solidFill>
-                  <a:srgbClr val="FA6300"/>
+                  <a:schemeClr val="tx2"/>
                 </a:solidFill>
               </a:rPr>
-              <a:t>FUTURE WORK</a:t>
+              <a:t>CHALLENGES</a:t>
             </a:r>
             <a:endParaRPr lang="en-GB" sz="4000" b="1" u="sng" dirty="0">
               <a:solidFill>
-                <a:srgbClr val="FA6300"/>
+                <a:schemeClr val="tx2"/>
               </a:solidFill>
             </a:endParaRPr>
           </a:p>
@@ -5247,14 +5338,21 @@
                 <a:latin typeface="Georgia" charset="0"/>
                 <a:cs typeface="Georgia" charset="0"/>
               </a:rPr>
-              <a:t>Extension 1: </a:t>
+              <a:t>The software used for joint detection, </a:t>
+            </a:r>
+            <a:r>
+              <a:rPr lang="en-US" sz="3200" dirty="0" err="1" smtClean="0">
+                <a:latin typeface="Georgia" charset="0"/>
+                <a:cs typeface="Georgia" charset="0"/>
+              </a:rPr>
+              <a:t>OpenPose</a:t>
             </a:r>
             <a:r>
               <a:rPr lang="en-US" sz="3200" dirty="0" smtClean="0">
                 <a:latin typeface="Georgia" charset="0"/>
                 <a:cs typeface="Georgia" charset="0"/>
               </a:rPr>
-              <a:t>Alter system to distinguish between previously seen and unknown movements</a:t>
+              <a:t>, did not have feature tracking</a:t>
             </a:r>
           </a:p>
           <a:p>
@@ -5267,52 +5365,52 @@
                 <a:latin typeface="Georgia" charset="0"/>
                 <a:cs typeface="Georgia" charset="0"/>
               </a:rPr>
-              <a:t>Extension 2: </a:t>
-            </a:r>
-            <a:r>
-              <a:rPr lang="en-US" sz="3200" dirty="0" smtClean="0">
-                <a:latin typeface="Georgia" charset="0"/>
-                <a:cs typeface="Georgia" charset="0"/>
-              </a:rPr>
-              <a:t>Extend dance movement classification to dance recognition</a:t>
-            </a:r>
-          </a:p>
-          <a:p>
-            <a:pPr marL="457200" indent="-457200">
-              <a:buFont typeface="Arial" charset="0"/>
-              <a:buChar char="•"/>
-            </a:pPr>
-            <a:r>
-              <a:rPr lang="en-US" sz="3200" dirty="0" smtClean="0">
-                <a:latin typeface="Georgia" charset="0"/>
-                <a:cs typeface="Georgia" charset="0"/>
-              </a:rPr>
-              <a:t>Extension </a:t>
-            </a:r>
-            <a:r>
-              <a:rPr lang="en-US" sz="3200" dirty="0">
-                <a:latin typeface="Georgia" charset="0"/>
-                <a:cs typeface="Georgia" charset="0"/>
-              </a:rPr>
-              <a:t>3</a:t>
-            </a:r>
-            <a:r>
-              <a:rPr lang="en-US" sz="3200" dirty="0" smtClean="0">
-                <a:latin typeface="Georgia" charset="0"/>
-                <a:cs typeface="Georgia" charset="0"/>
-              </a:rPr>
-              <a:t>:</a:t>
+              <a:t>As a result, multi-person movement classification was inaccurate</a:t>
             </a:r>
             <a:endParaRPr lang="en-US" sz="3200" dirty="0">
               <a:latin typeface="Georgia" charset="0"/>
               <a:cs typeface="Georgia" charset="0"/>
             </a:endParaRPr>
           </a:p>
-        </p:txBody>
-      </p:sp>
-      <p:sp>
-        <p:nvSpPr>
-          <p:cNvPr id="41" name="Rectangle 52"/>
+          <a:p>
+            <a:pPr marL="457200" indent="-457200">
+              <a:buFont typeface="Arial" charset="0"/>
+              <a:buChar char="•"/>
+            </a:pPr>
+            <a:r>
+              <a:rPr lang="en-US" sz="3200" dirty="0" smtClean="0">
+                <a:latin typeface="Georgia" charset="0"/>
+                <a:cs typeface="Georgia" charset="0"/>
+              </a:rPr>
+              <a:t>Parameters </a:t>
+            </a:r>
+            <a:r>
+              <a:rPr lang="en-US" sz="3200" dirty="0">
+                <a:latin typeface="Georgia" charset="0"/>
+                <a:cs typeface="Georgia" charset="0"/>
+              </a:rPr>
+              <a:t>that produced acceptable classification accuracies, but took abnormally long to train and/or to </a:t>
+            </a:r>
+            <a:r>
+              <a:rPr lang="en-US" sz="3200" dirty="0" smtClean="0">
+                <a:latin typeface="Georgia" charset="0"/>
+                <a:cs typeface="Georgia" charset="0"/>
+              </a:rPr>
+              <a:t>converge, were </a:t>
+            </a:r>
+            <a:r>
+              <a:rPr lang="en-US" sz="3200" dirty="0">
+                <a:latin typeface="Georgia" charset="0"/>
+                <a:cs typeface="Georgia" charset="0"/>
+              </a:rPr>
+              <a:t>omitted. </a:t>
+            </a:r>
+          </a:p>
+        </p:txBody>
+      </p:sp>
+      <p:sp>
+        <p:nvSpPr>
+          <p:cNvPr id="44" name="Rectangle 52"/>
           <p:cNvSpPr>
             <a:spLocks noChangeArrowheads="1"/>
           </p:cNvSpPr>
@@ -5320,8 +5418,8 @@
         </p:nvSpPr>
         <p:spPr bwMode="auto">
           <a:xfrm>
-            <a:off x="32983714" y="5192486"/>
-            <a:ext cx="9829800" cy="5551714"/>
+            <a:off x="1077686" y="23507982"/>
+            <a:ext cx="9829800" cy="8699903"/>
           </a:xfrm>
           <a:prstGeom prst="rect">
             <a:avLst/>
@@ -5360,7 +5458,7 @@
                   <a:schemeClr val="tx2"/>
                 </a:solidFill>
               </a:rPr>
-              <a:t>CHALLENGES</a:t>
+              <a:t>DATA </a:t>
             </a:r>
             <a:endParaRPr lang="en-GB" sz="4000" b="1" u="sng" dirty="0">
               <a:solidFill>
@@ -5381,21 +5479,7 @@
                 <a:latin typeface="Georgia" charset="0"/>
                 <a:cs typeface="Georgia" charset="0"/>
               </a:rPr>
-              <a:t>The software used for joint detection, </a:t>
-            </a:r>
-            <a:r>
-              <a:rPr lang="en-US" sz="3200" dirty="0" err="1" smtClean="0">
-                <a:latin typeface="Georgia" charset="0"/>
-                <a:cs typeface="Georgia" charset="0"/>
-              </a:rPr>
-              <a:t>OpenPose</a:t>
-            </a:r>
-            <a:r>
-              <a:rPr lang="en-US" sz="3200" dirty="0" smtClean="0">
-                <a:latin typeface="Georgia" charset="0"/>
-                <a:cs typeface="Georgia" charset="0"/>
-              </a:rPr>
-              <a:t>, did not have feature tracking</a:t>
+              <a:t>Self-collected data</a:t>
             </a:r>
           </a:p>
           <a:p>
@@ -5408,148 +5492,45 @@
                 <a:latin typeface="Georgia" charset="0"/>
                 <a:cs typeface="Georgia" charset="0"/>
               </a:rPr>
-              <a:t>As a result, multi-person movement classification was inaccurate</a:t>
-            </a:r>
-            <a:endParaRPr lang="en-US" sz="3200" dirty="0">
+              <a:t>24 test cases</a:t>
+            </a:r>
+          </a:p>
+          <a:p>
+            <a:pPr marL="457200" indent="-457200">
+              <a:buFont typeface="Arial" charset="0"/>
+              <a:buChar char="•"/>
+            </a:pPr>
+            <a:r>
+              <a:rPr lang="en-US" sz="3200" dirty="0" smtClean="0">
+                <a:latin typeface="Georgia" charset="0"/>
+                <a:cs typeface="Georgia" charset="0"/>
+              </a:rPr>
+              <a:t>60 training (10 examples each, 2 people, 3 categories)</a:t>
+            </a:r>
+          </a:p>
+          <a:p>
+            <a:pPr marL="457200" indent="-457200">
+              <a:buFont typeface="Arial" charset="0"/>
+              <a:buChar char="•"/>
+            </a:pPr>
+            <a:r>
+              <a:rPr lang="en-US" sz="3200" dirty="0" smtClean="0">
+                <a:latin typeface="Georgia" charset="0"/>
+                <a:cs typeface="Georgia" charset="0"/>
+              </a:rPr>
+              <a:t>80 frames once passed through </a:t>
+            </a:r>
+            <a:r>
+              <a:rPr lang="en-US" sz="3200" dirty="0" err="1" smtClean="0">
+                <a:latin typeface="Georgia" charset="0"/>
+                <a:cs typeface="Georgia" charset="0"/>
+              </a:rPr>
+              <a:t>OpenPose</a:t>
+            </a:r>
+            <a:endParaRPr lang="en-US" sz="3200" dirty="0" smtClean="0">
               <a:latin typeface="Georgia" charset="0"/>
               <a:cs typeface="Georgia" charset="0"/>
             </a:endParaRPr>
-          </a:p>
-          <a:p>
-            <a:pPr marL="457200" indent="-457200">
-              <a:buFont typeface="Arial" charset="0"/>
-              <a:buChar char="•"/>
-            </a:pPr>
-            <a:r>
-              <a:rPr lang="en-US" sz="3200" dirty="0" smtClean="0">
-                <a:latin typeface="Georgia" charset="0"/>
-                <a:cs typeface="Georgia" charset="0"/>
-              </a:rPr>
-              <a:t>Parameters </a:t>
-            </a:r>
-            <a:r>
-              <a:rPr lang="en-US" sz="3200" dirty="0">
-                <a:latin typeface="Georgia" charset="0"/>
-                <a:cs typeface="Georgia" charset="0"/>
-              </a:rPr>
-              <a:t>that produced acceptable classification accuracies, but took abnormally long to train and/or to </a:t>
-            </a:r>
-            <a:r>
-              <a:rPr lang="en-US" sz="3200" dirty="0" smtClean="0">
-                <a:latin typeface="Georgia" charset="0"/>
-                <a:cs typeface="Georgia" charset="0"/>
-              </a:rPr>
-              <a:t>converge, were </a:t>
-            </a:r>
-            <a:r>
-              <a:rPr lang="en-US" sz="3200" dirty="0">
-                <a:latin typeface="Georgia" charset="0"/>
-                <a:cs typeface="Georgia" charset="0"/>
-              </a:rPr>
-              <a:t>omitted. </a:t>
-            </a:r>
-          </a:p>
-        </p:txBody>
-      </p:sp>
-      <p:sp>
-        <p:nvSpPr>
-          <p:cNvPr id="44" name="Rectangle 52"/>
-          <p:cNvSpPr>
-            <a:spLocks noChangeArrowheads="1"/>
-          </p:cNvSpPr>
-          <p:nvPr/>
-        </p:nvSpPr>
-        <p:spPr bwMode="auto">
-          <a:xfrm>
-            <a:off x="1077686" y="28811196"/>
-            <a:ext cx="9829800" cy="3396689"/>
-          </a:xfrm>
-          <a:prstGeom prst="rect">
-            <a:avLst/>
-          </a:prstGeom>
-          <a:solidFill>
-            <a:schemeClr val="bg1"/>
-          </a:solidFill>
-          <a:ln>
-            <a:noFill/>
-          </a:ln>
-          <a:extLst>
-            <a:ext uri="{91240B29-F687-4f45-9708-019B960494DF}">
-              <a14:hiddenLine xmlns:a14="http://schemas.microsoft.com/office/drawing/2010/main" xmlns="" w="9525">
-                <a:solidFill>
-                  <a:srgbClr val="000000"/>
-                </a:solidFill>
-                <a:miter lim="800000"/>
-                <a:headEnd/>
-                <a:tailEnd/>
-              </a14:hiddenLine>
-            </a:ext>
-          </a:extLst>
-        </p:spPr>
-        <p:txBody>
-          <a:bodyPr lIns="360000" tIns="360000" rIns="360000" bIns="360000"/>
-          <a:lstStyle/>
-          <a:p>
-            <a:pPr>
-              <a:spcBef>
-                <a:spcPct val="50000"/>
-              </a:spcBef>
-            </a:pPr>
-            <a:r>
-              <a:rPr lang="en-GB" sz="4000" b="1" u="sng" dirty="0" smtClean="0">
-                <a:solidFill>
-                  <a:schemeClr val="tx2"/>
-                </a:solidFill>
-              </a:rPr>
-              <a:t>TRAINING</a:t>
-            </a:r>
-            <a:endParaRPr lang="en-GB" sz="4000" b="1" u="sng" dirty="0">
-              <a:solidFill>
-                <a:schemeClr val="tx2"/>
-              </a:solidFill>
-            </a:endParaRPr>
-          </a:p>
-          <a:p>
-            <a:endParaRPr lang="en-US" sz="2800" dirty="0"/>
-          </a:p>
-          <a:p>
-            <a:pPr marL="457200" indent="-457200">
-              <a:buFont typeface="Arial" charset="0"/>
-              <a:buChar char="•"/>
-            </a:pPr>
-            <a:r>
-              <a:rPr lang="en-US" sz="3200" dirty="0" smtClean="0">
-                <a:latin typeface="Georgia" charset="0"/>
-                <a:cs typeface="Georgia" charset="0"/>
-              </a:rPr>
-              <a:t>CMU Arctic: one hour of training data</a:t>
-            </a:r>
-          </a:p>
-          <a:p>
-            <a:pPr marL="457200" indent="-457200">
-              <a:buFont typeface="Arial" charset="0"/>
-              <a:buChar char="•"/>
-            </a:pPr>
-            <a:r>
-              <a:rPr lang="en-US" sz="3200" dirty="0" smtClean="0">
-                <a:latin typeface="Georgia" charset="0"/>
-                <a:cs typeface="Georgia" charset="0"/>
-              </a:rPr>
-              <a:t>4000 iterations, batch size of 500 ~ 40 epochs</a:t>
-            </a:r>
-          </a:p>
-          <a:p>
-            <a:pPr marL="457200" indent="-457200">
-              <a:buFont typeface="Arial" charset="0"/>
-              <a:buChar char="•"/>
-            </a:pPr>
-            <a:r>
-              <a:rPr lang="en-US" sz="3200" dirty="0" smtClean="0">
-                <a:latin typeface="Georgia" charset="0"/>
-                <a:cs typeface="Georgia" charset="0"/>
-              </a:rPr>
-              <a:t>10% held out for testing</a:t>
-            </a:r>
           </a:p>
           <a:p>
             <a:pPr marL="457200" indent="-457200">
